--- a/Mine/Scheduling_game/Figures/graph.pptx
+++ b/Mine/Scheduling_game/Figures/graph.pptx
@@ -10,6 +10,7 @@
     <p:sldId id="259" r:id="rId4"/>
     <p:sldId id="261" r:id="rId5"/>
     <p:sldId id="262" r:id="rId6"/>
+    <p:sldId id="263" r:id="rId7"/>
   </p:sldIdLst>
   <p:sldSz cx="12192000" cy="6858000"/>
   <p:notesSz cx="6858000" cy="9144000"/>
@@ -263,7 +264,7 @@
           <a:p>
             <a:fld id="{C5470989-1518-4E82-95B9-0CD9C1A9D2E1}" type="datetimeFigureOut">
               <a:rPr lang="zh-CN" altLang="en-US" smtClean="0"/>
-              <a:t>2020/7/7</a:t>
+              <a:t>2021/3/30</a:t>
             </a:fld>
             <a:endParaRPr lang="zh-CN" altLang="en-US"/>
           </a:p>
@@ -461,7 +462,7 @@
           <a:p>
             <a:fld id="{C5470989-1518-4E82-95B9-0CD9C1A9D2E1}" type="datetimeFigureOut">
               <a:rPr lang="zh-CN" altLang="en-US" smtClean="0"/>
-              <a:t>2020/7/7</a:t>
+              <a:t>2021/3/30</a:t>
             </a:fld>
             <a:endParaRPr lang="zh-CN" altLang="en-US"/>
           </a:p>
@@ -669,7 +670,7 @@
           <a:p>
             <a:fld id="{C5470989-1518-4E82-95B9-0CD9C1A9D2E1}" type="datetimeFigureOut">
               <a:rPr lang="zh-CN" altLang="en-US" smtClean="0"/>
-              <a:t>2020/7/7</a:t>
+              <a:t>2021/3/30</a:t>
             </a:fld>
             <a:endParaRPr lang="zh-CN" altLang="en-US"/>
           </a:p>
@@ -867,7 +868,7 @@
           <a:p>
             <a:fld id="{C5470989-1518-4E82-95B9-0CD9C1A9D2E1}" type="datetimeFigureOut">
               <a:rPr lang="zh-CN" altLang="en-US" smtClean="0"/>
-              <a:t>2020/7/7</a:t>
+              <a:t>2021/3/30</a:t>
             </a:fld>
             <a:endParaRPr lang="zh-CN" altLang="en-US"/>
           </a:p>
@@ -1142,7 +1143,7 @@
           <a:p>
             <a:fld id="{C5470989-1518-4E82-95B9-0CD9C1A9D2E1}" type="datetimeFigureOut">
               <a:rPr lang="zh-CN" altLang="en-US" smtClean="0"/>
-              <a:t>2020/7/7</a:t>
+              <a:t>2021/3/30</a:t>
             </a:fld>
             <a:endParaRPr lang="zh-CN" altLang="en-US"/>
           </a:p>
@@ -1407,7 +1408,7 @@
           <a:p>
             <a:fld id="{C5470989-1518-4E82-95B9-0CD9C1A9D2E1}" type="datetimeFigureOut">
               <a:rPr lang="zh-CN" altLang="en-US" smtClean="0"/>
-              <a:t>2020/7/7</a:t>
+              <a:t>2021/3/30</a:t>
             </a:fld>
             <a:endParaRPr lang="zh-CN" altLang="en-US"/>
           </a:p>
@@ -1819,7 +1820,7 @@
           <a:p>
             <a:fld id="{C5470989-1518-4E82-95B9-0CD9C1A9D2E1}" type="datetimeFigureOut">
               <a:rPr lang="zh-CN" altLang="en-US" smtClean="0"/>
-              <a:t>2020/7/7</a:t>
+              <a:t>2021/3/30</a:t>
             </a:fld>
             <a:endParaRPr lang="zh-CN" altLang="en-US"/>
           </a:p>
@@ -1960,7 +1961,7 @@
           <a:p>
             <a:fld id="{C5470989-1518-4E82-95B9-0CD9C1A9D2E1}" type="datetimeFigureOut">
               <a:rPr lang="zh-CN" altLang="en-US" smtClean="0"/>
-              <a:t>2020/7/7</a:t>
+              <a:t>2021/3/30</a:t>
             </a:fld>
             <a:endParaRPr lang="zh-CN" altLang="en-US"/>
           </a:p>
@@ -2073,7 +2074,7 @@
           <a:p>
             <a:fld id="{C5470989-1518-4E82-95B9-0CD9C1A9D2E1}" type="datetimeFigureOut">
               <a:rPr lang="zh-CN" altLang="en-US" smtClean="0"/>
-              <a:t>2020/7/7</a:t>
+              <a:t>2021/3/30</a:t>
             </a:fld>
             <a:endParaRPr lang="zh-CN" altLang="en-US"/>
           </a:p>
@@ -2384,7 +2385,7 @@
           <a:p>
             <a:fld id="{C5470989-1518-4E82-95B9-0CD9C1A9D2E1}" type="datetimeFigureOut">
               <a:rPr lang="zh-CN" altLang="en-US" smtClean="0"/>
-              <a:t>2020/7/7</a:t>
+              <a:t>2021/3/30</a:t>
             </a:fld>
             <a:endParaRPr lang="zh-CN" altLang="en-US"/>
           </a:p>
@@ -2672,7 +2673,7 @@
           <a:p>
             <a:fld id="{C5470989-1518-4E82-95B9-0CD9C1A9D2E1}" type="datetimeFigureOut">
               <a:rPr lang="zh-CN" altLang="en-US" smtClean="0"/>
-              <a:t>2020/7/7</a:t>
+              <a:t>2021/3/30</a:t>
             </a:fld>
             <a:endParaRPr lang="zh-CN" altLang="en-US"/>
           </a:p>
@@ -2913,7 +2914,7 @@
           <a:p>
             <a:fld id="{C5470989-1518-4E82-95B9-0CD9C1A9D2E1}" type="datetimeFigureOut">
               <a:rPr lang="zh-CN" altLang="en-US" smtClean="0"/>
-              <a:t>2020/7/7</a:t>
+              <a:t>2021/3/30</a:t>
             </a:fld>
             <a:endParaRPr lang="zh-CN" altLang="en-US"/>
           </a:p>
@@ -6717,12 +6718,12 @@
           <a:graphicData uri="http://schemas.openxmlformats.org/presentationml/2006/ole">
             <mc:AlternateContent xmlns:mc="http://schemas.openxmlformats.org/markup-compatibility/2006">
               <mc:Choice xmlns:v="urn:schemas-microsoft-com:vml" Requires="v">
-                <p:oleObj spid="_x0000_s1086" name="Formula" r:id="rId3" imgW="118440" imgH="120960" progId="Equation.Ribbit">
+                <p:oleObj name="Formula" r:id="rId2" imgW="118440" imgH="120960" progId="Equation.Ribbit">
                   <p:embed/>
                 </p:oleObj>
               </mc:Choice>
               <mc:Fallback>
-                <p:oleObj name="Formula" r:id="rId3" imgW="118440" imgH="120960" progId="Equation.Ribbit">
+                <p:oleObj name="Formula" r:id="rId2" imgW="118440" imgH="120960" progId="Equation.Ribbit">
                   <p:embed/>
                   <p:pic>
                     <p:nvPicPr>
@@ -6737,7 +6738,7 @@
                       <p:nvPr/>
                     </p:nvPicPr>
                     <p:blipFill>
-                      <a:blip r:embed="rId4"/>
+                      <a:blip r:embed="rId3"/>
                       <a:stretch>
                         <a:fillRect/>
                       </a:stretch>
@@ -6780,12 +6781,12 @@
           <a:graphicData uri="http://schemas.openxmlformats.org/presentationml/2006/ole">
             <mc:AlternateContent xmlns:mc="http://schemas.openxmlformats.org/markup-compatibility/2006">
               <mc:Choice xmlns:v="urn:schemas-microsoft-com:vml" Requires="v">
-                <p:oleObj spid="_x0000_s1087" name="Formula" r:id="rId5" imgW="122040" imgH="120960" progId="Equation.Ribbit">
+                <p:oleObj name="Formula" r:id="rId4" imgW="122040" imgH="120960" progId="Equation.Ribbit">
                   <p:embed/>
                 </p:oleObj>
               </mc:Choice>
               <mc:Fallback>
-                <p:oleObj name="Formula" r:id="rId5" imgW="122040" imgH="120960" progId="Equation.Ribbit">
+                <p:oleObj name="Formula" r:id="rId4" imgW="122040" imgH="120960" progId="Equation.Ribbit">
                   <p:embed/>
                   <p:pic>
                     <p:nvPicPr>
@@ -6800,7 +6801,7 @@
                       <p:nvPr/>
                     </p:nvPicPr>
                     <p:blipFill>
-                      <a:blip r:embed="rId6"/>
+                      <a:blip r:embed="rId5"/>
                       <a:stretch>
                         <a:fillRect/>
                       </a:stretch>
@@ -6929,12 +6930,12 @@
           <a:graphicData uri="http://schemas.openxmlformats.org/presentationml/2006/ole">
             <mc:AlternateContent xmlns:mc="http://schemas.openxmlformats.org/markup-compatibility/2006">
               <mc:Choice xmlns:v="urn:schemas-microsoft-com:vml" Requires="v">
-                <p:oleObj spid="_x0000_s1088" name="Formula" r:id="rId7" imgW="240120" imgH="119520" progId="Equation.Ribbit">
+                <p:oleObj name="Formula" r:id="rId6" imgW="240120" imgH="119520" progId="Equation.Ribbit">
                   <p:embed/>
                 </p:oleObj>
               </mc:Choice>
               <mc:Fallback>
-                <p:oleObj name="Formula" r:id="rId7" imgW="240120" imgH="119520" progId="Equation.Ribbit">
+                <p:oleObj name="Formula" r:id="rId6" imgW="240120" imgH="119520" progId="Equation.Ribbit">
                   <p:embed/>
                   <p:pic>
                     <p:nvPicPr>
@@ -6949,7 +6950,7 @@
                       <p:nvPr/>
                     </p:nvPicPr>
                     <p:blipFill>
-                      <a:blip r:embed="rId8"/>
+                      <a:blip r:embed="rId7"/>
                       <a:stretch>
                         <a:fillRect/>
                       </a:stretch>
@@ -6992,12 +6993,12 @@
           <a:graphicData uri="http://schemas.openxmlformats.org/presentationml/2006/ole">
             <mc:AlternateContent xmlns:mc="http://schemas.openxmlformats.org/markup-compatibility/2006">
               <mc:Choice xmlns:v="urn:schemas-microsoft-com:vml" Requires="v">
-                <p:oleObj spid="_x0000_s1089" name="Formula" r:id="rId9" imgW="623880" imgH="180360" progId="Equation.Ribbit">
+                <p:oleObj name="Formula" r:id="rId8" imgW="623880" imgH="180360" progId="Equation.Ribbit">
                   <p:embed/>
                 </p:oleObj>
               </mc:Choice>
               <mc:Fallback>
-                <p:oleObj name="Formula" r:id="rId9" imgW="623880" imgH="180360" progId="Equation.Ribbit">
+                <p:oleObj name="Formula" r:id="rId8" imgW="623880" imgH="180360" progId="Equation.Ribbit">
                   <p:embed/>
                   <p:pic>
                     <p:nvPicPr>
@@ -7012,7 +7013,7 @@
                       <p:nvPr/>
                     </p:nvPicPr>
                     <p:blipFill>
-                      <a:blip r:embed="rId10"/>
+                      <a:blip r:embed="rId9"/>
                       <a:stretch>
                         <a:fillRect/>
                       </a:stretch>
@@ -7181,12 +7182,12 @@
           <a:graphicData uri="http://schemas.openxmlformats.org/presentationml/2006/ole">
             <mc:AlternateContent xmlns:mc="http://schemas.openxmlformats.org/markup-compatibility/2006">
               <mc:Choice xmlns:v="urn:schemas-microsoft-com:vml" Requires="v">
-                <p:oleObj spid="_x0000_s1090" name="Formula" r:id="rId11" imgW="393840" imgH="127080" progId="Equation.Ribbit">
+                <p:oleObj name="Formula" r:id="rId10" imgW="393840" imgH="127080" progId="Equation.Ribbit">
                   <p:embed/>
                 </p:oleObj>
               </mc:Choice>
               <mc:Fallback>
-                <p:oleObj name="Formula" r:id="rId11" imgW="393840" imgH="127080" progId="Equation.Ribbit">
+                <p:oleObj name="Formula" r:id="rId10" imgW="393840" imgH="127080" progId="Equation.Ribbit">
                   <p:embed/>
                   <p:pic>
                     <p:nvPicPr>
@@ -7201,7 +7202,7 @@
                       <p:nvPr/>
                     </p:nvPicPr>
                     <p:blipFill>
-                      <a:blip r:embed="rId12"/>
+                      <a:blip r:embed="rId11"/>
                       <a:stretch>
                         <a:fillRect/>
                       </a:stretch>
@@ -7244,12 +7245,12 @@
           <a:graphicData uri="http://schemas.openxmlformats.org/presentationml/2006/ole">
             <mc:AlternateContent xmlns:mc="http://schemas.openxmlformats.org/markup-compatibility/2006">
               <mc:Choice xmlns:v="urn:schemas-microsoft-com:vml" Requires="v">
-                <p:oleObj spid="_x0000_s1091" name="Formula" r:id="rId13" imgW="623880" imgH="166680" progId="Equation.Ribbit">
+                <p:oleObj name="Formula" r:id="rId12" imgW="623880" imgH="166680" progId="Equation.Ribbit">
                   <p:embed/>
                 </p:oleObj>
               </mc:Choice>
               <mc:Fallback>
-                <p:oleObj name="Formula" r:id="rId13" imgW="623880" imgH="166680" progId="Equation.Ribbit">
+                <p:oleObj name="Formula" r:id="rId12" imgW="623880" imgH="166680" progId="Equation.Ribbit">
                   <p:embed/>
                   <p:pic>
                     <p:nvPicPr>
@@ -7264,7 +7265,7 @@
                       <p:nvPr/>
                     </p:nvPicPr>
                     <p:blipFill>
-                      <a:blip r:embed="rId14"/>
+                      <a:blip r:embed="rId13"/>
                       <a:stretch>
                         <a:fillRect/>
                       </a:stretch>
@@ -7650,12 +7651,12 @@
           <a:graphicData uri="http://schemas.openxmlformats.org/presentationml/2006/ole">
             <mc:AlternateContent xmlns:mc="http://schemas.openxmlformats.org/markup-compatibility/2006">
               <mc:Choice xmlns:v="urn:schemas-microsoft-com:vml" Requires="v">
-                <p:oleObj spid="_x0000_s1092" name="Formula" r:id="rId15" imgW="513360" imgH="170280" progId="Equation.Ribbit">
+                <p:oleObj name="Formula" r:id="rId14" imgW="513360" imgH="170280" progId="Equation.Ribbit">
                   <p:embed/>
                 </p:oleObj>
               </mc:Choice>
               <mc:Fallback>
-                <p:oleObj name="Formula" r:id="rId15" imgW="513360" imgH="170280" progId="Equation.Ribbit">
+                <p:oleObj name="Formula" r:id="rId14" imgW="513360" imgH="170280" progId="Equation.Ribbit">
                   <p:embed/>
                   <p:pic>
                     <p:nvPicPr>
@@ -7670,7 +7671,7 @@
                       <p:nvPr/>
                     </p:nvPicPr>
                     <p:blipFill>
-                      <a:blip r:embed="rId16"/>
+                      <a:blip r:embed="rId15"/>
                       <a:stretch>
                         <a:fillRect/>
                       </a:stretch>
@@ -7713,12 +7714,12 @@
           <a:graphicData uri="http://schemas.openxmlformats.org/presentationml/2006/ole">
             <mc:AlternateContent xmlns:mc="http://schemas.openxmlformats.org/markup-compatibility/2006">
               <mc:Choice xmlns:v="urn:schemas-microsoft-com:vml" Requires="v">
-                <p:oleObj spid="_x0000_s1093" name="Formula" r:id="rId17" imgW="513360" imgH="156240" progId="Equation.Ribbit">
+                <p:oleObj name="Formula" r:id="rId16" imgW="513360" imgH="156240" progId="Equation.Ribbit">
                   <p:embed/>
                 </p:oleObj>
               </mc:Choice>
               <mc:Fallback>
-                <p:oleObj name="Formula" r:id="rId17" imgW="513360" imgH="156240" progId="Equation.Ribbit">
+                <p:oleObj name="Formula" r:id="rId16" imgW="513360" imgH="156240" progId="Equation.Ribbit">
                   <p:embed/>
                   <p:pic>
                     <p:nvPicPr>
@@ -7733,7 +7734,7 @@
                       <p:nvPr/>
                     </p:nvPicPr>
                     <p:blipFill>
-                      <a:blip r:embed="rId18"/>
+                      <a:blip r:embed="rId17"/>
                       <a:stretch>
                         <a:fillRect/>
                       </a:stretch>
@@ -7776,12 +7777,12 @@
           <a:graphicData uri="http://schemas.openxmlformats.org/presentationml/2006/ole">
             <mc:AlternateContent xmlns:mc="http://schemas.openxmlformats.org/markup-compatibility/2006">
               <mc:Choice xmlns:v="urn:schemas-microsoft-com:vml" Requires="v">
-                <p:oleObj spid="_x0000_s1094" name="Formula" r:id="rId19" imgW="268200" imgH="127080" progId="Equation.Ribbit">
+                <p:oleObj name="Formula" r:id="rId18" imgW="268200" imgH="127080" progId="Equation.Ribbit">
                   <p:embed/>
                 </p:oleObj>
               </mc:Choice>
               <mc:Fallback>
-                <p:oleObj name="Formula" r:id="rId19" imgW="268200" imgH="127080" progId="Equation.Ribbit">
+                <p:oleObj name="Formula" r:id="rId18" imgW="268200" imgH="127080" progId="Equation.Ribbit">
                   <p:embed/>
                   <p:pic>
                     <p:nvPicPr>
@@ -7796,7 +7797,7 @@
                       <p:nvPr/>
                     </p:nvPicPr>
                     <p:blipFill>
-                      <a:blip r:embed="rId20"/>
+                      <a:blip r:embed="rId19"/>
                       <a:stretch>
                         <a:fillRect/>
                       </a:stretch>
@@ -7839,12 +7840,12 @@
           <a:graphicData uri="http://schemas.openxmlformats.org/presentationml/2006/ole">
             <mc:AlternateContent xmlns:mc="http://schemas.openxmlformats.org/markup-compatibility/2006">
               <mc:Choice xmlns:v="urn:schemas-microsoft-com:vml" Requires="v">
-                <p:oleObj spid="_x0000_s1095" name="Formula" r:id="rId21" imgW="564120" imgH="167760" progId="Equation.Ribbit">
+                <p:oleObj name="Formula" r:id="rId20" imgW="564120" imgH="167760" progId="Equation.Ribbit">
                   <p:embed/>
                 </p:oleObj>
               </mc:Choice>
               <mc:Fallback>
-                <p:oleObj name="Formula" r:id="rId21" imgW="564120" imgH="167760" progId="Equation.Ribbit">
+                <p:oleObj name="Formula" r:id="rId20" imgW="564120" imgH="167760" progId="Equation.Ribbit">
                   <p:embed/>
                   <p:pic>
                     <p:nvPicPr>
@@ -7859,7 +7860,7 @@
                       <p:nvPr/>
                     </p:nvPicPr>
                     <p:blipFill>
-                      <a:blip r:embed="rId22"/>
+                      <a:blip r:embed="rId21"/>
                       <a:stretch>
                         <a:fillRect/>
                       </a:stretch>
@@ -7902,12 +7903,12 @@
           <a:graphicData uri="http://schemas.openxmlformats.org/presentationml/2006/ole">
             <mc:AlternateContent xmlns:mc="http://schemas.openxmlformats.org/markup-compatibility/2006">
               <mc:Choice xmlns:v="urn:schemas-microsoft-com:vml" Requires="v">
-                <p:oleObj spid="_x0000_s1096" name="Formula" r:id="rId23" imgW="454680" imgH="156240" progId="Equation.Ribbit">
+                <p:oleObj name="Formula" r:id="rId22" imgW="454680" imgH="156240" progId="Equation.Ribbit">
                   <p:embed/>
                 </p:oleObj>
               </mc:Choice>
               <mc:Fallback>
-                <p:oleObj name="Formula" r:id="rId23" imgW="454680" imgH="156240" progId="Equation.Ribbit">
+                <p:oleObj name="Formula" r:id="rId22" imgW="454680" imgH="156240" progId="Equation.Ribbit">
                   <p:embed/>
                   <p:pic>
                     <p:nvPicPr>
@@ -7922,7 +7923,7 @@
                       <p:nvPr/>
                     </p:nvPicPr>
                     <p:blipFill>
-                      <a:blip r:embed="rId24"/>
+                      <a:blip r:embed="rId23"/>
                       <a:stretch>
                         <a:fillRect/>
                       </a:stretch>
@@ -7965,12 +7966,12 @@
           <a:graphicData uri="http://schemas.openxmlformats.org/presentationml/2006/ole">
             <mc:AlternateContent xmlns:mc="http://schemas.openxmlformats.org/markup-compatibility/2006">
               <mc:Choice xmlns:v="urn:schemas-microsoft-com:vml" Requires="v">
-                <p:oleObj spid="_x0000_s1097" name="Formula" r:id="rId25" imgW="114480" imgH="160200" progId="Equation.Ribbit">
+                <p:oleObj name="Formula" r:id="rId24" imgW="114480" imgH="160200" progId="Equation.Ribbit">
                   <p:embed/>
                 </p:oleObj>
               </mc:Choice>
               <mc:Fallback>
-                <p:oleObj name="Formula" r:id="rId25" imgW="114480" imgH="160200" progId="Equation.Ribbit">
+                <p:oleObj name="Formula" r:id="rId24" imgW="114480" imgH="160200" progId="Equation.Ribbit">
                   <p:embed/>
                   <p:pic>
                     <p:nvPicPr>
@@ -7985,7 +7986,7 @@
                       <p:nvPr/>
                     </p:nvPicPr>
                     <p:blipFill>
-                      <a:blip r:embed="rId26"/>
+                      <a:blip r:embed="rId25"/>
                       <a:stretch>
                         <a:fillRect/>
                       </a:stretch>
@@ -8028,12 +8029,12 @@
           <a:graphicData uri="http://schemas.openxmlformats.org/presentationml/2006/ole">
             <mc:AlternateContent xmlns:mc="http://schemas.openxmlformats.org/markup-compatibility/2006">
               <mc:Choice xmlns:v="urn:schemas-microsoft-com:vml" Requires="v">
-                <p:oleObj spid="_x0000_s1098" name="Formula" r:id="rId27" imgW="175320" imgH="62280" progId="Equation.Ribbit">
+                <p:oleObj name="Formula" r:id="rId26" imgW="175320" imgH="62280" progId="Equation.Ribbit">
                   <p:embed/>
                 </p:oleObj>
               </mc:Choice>
               <mc:Fallback>
-                <p:oleObj name="Formula" r:id="rId27" imgW="175320" imgH="62280" progId="Equation.Ribbit">
+                <p:oleObj name="Formula" r:id="rId26" imgW="175320" imgH="62280" progId="Equation.Ribbit">
                   <p:embed/>
                   <p:pic>
                     <p:nvPicPr>
@@ -8048,7 +8049,7 @@
                       <p:nvPr/>
                     </p:nvPicPr>
                     <p:blipFill>
-                      <a:blip r:embed="rId28"/>
+                      <a:blip r:embed="rId27"/>
                       <a:stretch>
                         <a:fillRect/>
                       </a:stretch>
@@ -8091,12 +8092,12 @@
           <a:graphicData uri="http://schemas.openxmlformats.org/presentationml/2006/ole">
             <mc:AlternateContent xmlns:mc="http://schemas.openxmlformats.org/markup-compatibility/2006">
               <mc:Choice xmlns:v="urn:schemas-microsoft-com:vml" Requires="v">
-                <p:oleObj spid="_x0000_s1099" name="Formula" r:id="rId29" imgW="88920" imgH="119520" progId="Equation.Ribbit">
+                <p:oleObj name="Formula" r:id="rId28" imgW="88920" imgH="119520" progId="Equation.Ribbit">
                   <p:embed/>
                 </p:oleObj>
               </mc:Choice>
               <mc:Fallback>
-                <p:oleObj name="Formula" r:id="rId29" imgW="88920" imgH="119520" progId="Equation.Ribbit">
+                <p:oleObj name="Formula" r:id="rId28" imgW="88920" imgH="119520" progId="Equation.Ribbit">
                   <p:embed/>
                   <p:pic>
                     <p:nvPicPr>
@@ -8111,7 +8112,7 @@
                       <p:nvPr/>
                     </p:nvPicPr>
                     <p:blipFill>
-                      <a:blip r:embed="rId30"/>
+                      <a:blip r:embed="rId29"/>
                       <a:stretch>
                         <a:fillRect/>
                       </a:stretch>
@@ -8195,12 +8196,12 @@
           <a:graphicData uri="http://schemas.openxmlformats.org/presentationml/2006/ole">
             <mc:AlternateContent xmlns:mc="http://schemas.openxmlformats.org/markup-compatibility/2006">
               <mc:Choice xmlns:v="urn:schemas-microsoft-com:vml" Requires="v">
-                <p:oleObj spid="_x0000_s1100" name="Formula" r:id="rId31" imgW="239040" imgH="127080" progId="Equation.Ribbit">
+                <p:oleObj name="Formula" r:id="rId30" imgW="239040" imgH="127080" progId="Equation.Ribbit">
                   <p:embed/>
                 </p:oleObj>
               </mc:Choice>
               <mc:Fallback>
-                <p:oleObj name="Formula" r:id="rId31" imgW="239040" imgH="127080" progId="Equation.Ribbit">
+                <p:oleObj name="Formula" r:id="rId30" imgW="239040" imgH="127080" progId="Equation.Ribbit">
                   <p:embed/>
                   <p:pic>
                     <p:nvPicPr>
@@ -8215,7 +8216,7 @@
                       <p:nvPr/>
                     </p:nvPicPr>
                     <p:blipFill>
-                      <a:blip r:embed="rId32"/>
+                      <a:blip r:embed="rId31"/>
                       <a:stretch>
                         <a:fillRect/>
                       </a:stretch>
@@ -11101,6 +11102,1657 @@
 </p:sld>
 </file>
 
+<file path=ppt/slides/slide6.xml><?xml version="1.0" encoding="utf-8"?>
+<p:sld xmlns:a="http://schemas.openxmlformats.org/drawingml/2006/main" xmlns:r="http://schemas.openxmlformats.org/officeDocument/2006/relationships" xmlns:p="http://schemas.openxmlformats.org/presentationml/2006/main">
+  <p:cSld>
+    <p:spTree>
+      <p:nvGrpSpPr>
+        <p:cNvPr id="1" name=""/>
+        <p:cNvGrpSpPr/>
+        <p:nvPr/>
+      </p:nvGrpSpPr>
+      <p:grpSpPr>
+        <a:xfrm>
+          <a:off x="0" y="0"/>
+          <a:ext cx="0" cy="0"/>
+          <a:chOff x="0" y="0"/>
+          <a:chExt cx="0" cy="0"/>
+        </a:xfrm>
+      </p:grpSpPr>
+      <p:cxnSp>
+        <p:nvCxnSpPr>
+          <p:cNvPr id="5" name="直接箭头连接符 4">
+            <a:extLst>
+              <a:ext uri="{FF2B5EF4-FFF2-40B4-BE49-F238E27FC236}">
+                <a16:creationId xmlns:a16="http://schemas.microsoft.com/office/drawing/2014/main" id="{DA4C754F-39BE-4439-B17A-98FB24634359}"/>
+              </a:ext>
+            </a:extLst>
+          </p:cNvPr>
+          <p:cNvCxnSpPr/>
+          <p:nvPr/>
+        </p:nvCxnSpPr>
+        <p:spPr>
+          <a:xfrm>
+            <a:off x="2164080" y="5779008"/>
+            <a:ext cx="7708392" cy="0"/>
+          </a:xfrm>
+          <a:prstGeom prst="straightConnector1">
+            <a:avLst/>
+          </a:prstGeom>
+          <a:ln>
+            <a:headEnd type="none" w="med" len="med"/>
+            <a:tailEnd type="triangle" w="med" len="med"/>
+          </a:ln>
+        </p:spPr>
+        <p:style>
+          <a:lnRef idx="1">
+            <a:schemeClr val="dk1"/>
+          </a:lnRef>
+          <a:fillRef idx="0">
+            <a:schemeClr val="dk1"/>
+          </a:fillRef>
+          <a:effectRef idx="0">
+            <a:schemeClr val="dk1"/>
+          </a:effectRef>
+          <a:fontRef idx="minor">
+            <a:schemeClr val="tx1"/>
+          </a:fontRef>
+        </p:style>
+      </p:cxnSp>
+      <p:cxnSp>
+        <p:nvCxnSpPr>
+          <p:cNvPr id="7" name="直接箭头连接符 6">
+            <a:extLst>
+              <a:ext uri="{FF2B5EF4-FFF2-40B4-BE49-F238E27FC236}">
+                <a16:creationId xmlns:a16="http://schemas.microsoft.com/office/drawing/2014/main" id="{853654CE-FE26-482C-BB8A-6163D89E8E24}"/>
+              </a:ext>
+            </a:extLst>
+          </p:cNvPr>
+          <p:cNvCxnSpPr/>
+          <p:nvPr/>
+        </p:nvCxnSpPr>
+        <p:spPr>
+          <a:xfrm flipV="1">
+            <a:off x="2164080" y="530352"/>
+            <a:ext cx="0" cy="5248656"/>
+          </a:xfrm>
+          <a:prstGeom prst="straightConnector1">
+            <a:avLst/>
+          </a:prstGeom>
+          <a:ln>
+            <a:headEnd type="oval" w="med" len="med"/>
+            <a:tailEnd type="triangle" w="med" len="med"/>
+          </a:ln>
+        </p:spPr>
+        <p:style>
+          <a:lnRef idx="1">
+            <a:schemeClr val="dk1"/>
+          </a:lnRef>
+          <a:fillRef idx="0">
+            <a:schemeClr val="dk1"/>
+          </a:fillRef>
+          <a:effectRef idx="0">
+            <a:schemeClr val="dk1"/>
+          </a:effectRef>
+          <a:fontRef idx="minor">
+            <a:schemeClr val="tx1"/>
+          </a:fontRef>
+        </p:style>
+      </p:cxnSp>
+      <p:graphicFrame>
+        <p:nvGraphicFramePr>
+          <p:cNvPr id="9" name="对象 8">
+            <a:extLst>
+              <a:ext uri="{FF2B5EF4-FFF2-40B4-BE49-F238E27FC236}">
+                <a16:creationId xmlns:a16="http://schemas.microsoft.com/office/drawing/2014/main" id="{6E0AA8B3-0A20-42CA-9CFF-DB7BAF91212E}"/>
+              </a:ext>
+            </a:extLst>
+          </p:cNvPr>
+          <p:cNvGraphicFramePr>
+            <a:graphicFrameLocks noChangeAspect="1"/>
+          </p:cNvGraphicFramePr>
+          <p:nvPr/>
+        </p:nvGraphicFramePr>
+        <p:xfrm>
+          <a:off x="2045811" y="5911406"/>
+          <a:ext cx="236538" cy="239712"/>
+        </p:xfrm>
+        <a:graphic>
+          <a:graphicData uri="http://schemas.openxmlformats.org/presentationml/2006/ole">
+            <mc:AlternateContent xmlns:mc="http://schemas.openxmlformats.org/markup-compatibility/2006">
+              <mc:Choice xmlns:v="urn:schemas-microsoft-com:vml" Requires="v">
+                <p:oleObj name="Formula" r:id="rId2" imgW="118440" imgH="120960" progId="Equation.Ribbit">
+                  <p:embed/>
+                </p:oleObj>
+              </mc:Choice>
+              <mc:Fallback>
+                <p:oleObj name="Formula" r:id="rId2" imgW="118440" imgH="120960" progId="Equation.Ribbit">
+                  <p:embed/>
+                  <p:pic>
+                    <p:nvPicPr>
+                      <p:cNvPr id="9" name="对象 8">
+                        <a:extLst>
+                          <a:ext uri="{FF2B5EF4-FFF2-40B4-BE49-F238E27FC236}">
+                            <a16:creationId xmlns:a16="http://schemas.microsoft.com/office/drawing/2014/main" id="{6E0AA8B3-0A20-42CA-9CFF-DB7BAF91212E}"/>
+                          </a:ext>
+                        </a:extLst>
+                      </p:cNvPr>
+                      <p:cNvPicPr/>
+                      <p:nvPr/>
+                    </p:nvPicPr>
+                    <p:blipFill>
+                      <a:blip r:embed="rId3"/>
+                      <a:stretch>
+                        <a:fillRect/>
+                      </a:stretch>
+                    </p:blipFill>
+                    <p:spPr>
+                      <a:xfrm>
+                        <a:off x="2045811" y="5911406"/>
+                        <a:ext cx="236538" cy="239712"/>
+                      </a:xfrm>
+                      <a:prstGeom prst="rect">
+                        <a:avLst/>
+                      </a:prstGeom>
+                    </p:spPr>
+                  </p:pic>
+                </p:oleObj>
+              </mc:Fallback>
+            </mc:AlternateContent>
+          </a:graphicData>
+        </a:graphic>
+      </p:graphicFrame>
+      <p:graphicFrame>
+        <p:nvGraphicFramePr>
+          <p:cNvPr id="10" name="对象 9">
+            <a:extLst>
+              <a:ext uri="{FF2B5EF4-FFF2-40B4-BE49-F238E27FC236}">
+                <a16:creationId xmlns:a16="http://schemas.microsoft.com/office/drawing/2014/main" id="{43742701-CAB6-4F77-94C4-51E6C940D884}"/>
+              </a:ext>
+            </a:extLst>
+          </p:cNvPr>
+          <p:cNvGraphicFramePr>
+            <a:graphicFrameLocks noChangeAspect="1"/>
+          </p:cNvGraphicFramePr>
+          <p:nvPr/>
+        </p:nvGraphicFramePr>
+        <p:xfrm>
+          <a:off x="7208839" y="5886451"/>
+          <a:ext cx="242887" cy="239713"/>
+        </p:xfrm>
+        <a:graphic>
+          <a:graphicData uri="http://schemas.openxmlformats.org/presentationml/2006/ole">
+            <mc:AlternateContent xmlns:mc="http://schemas.openxmlformats.org/markup-compatibility/2006">
+              <mc:Choice xmlns:v="urn:schemas-microsoft-com:vml" Requires="v">
+                <p:oleObj name="Formula" r:id="rId4" imgW="122040" imgH="120960" progId="Equation.Ribbit">
+                  <p:embed/>
+                </p:oleObj>
+              </mc:Choice>
+              <mc:Fallback>
+                <p:oleObj name="Formula" r:id="rId4" imgW="122040" imgH="120960" progId="Equation.Ribbit">
+                  <p:embed/>
+                  <p:pic>
+                    <p:nvPicPr>
+                      <p:cNvPr id="10" name="对象 9">
+                        <a:extLst>
+                          <a:ext uri="{FF2B5EF4-FFF2-40B4-BE49-F238E27FC236}">
+                            <a16:creationId xmlns:a16="http://schemas.microsoft.com/office/drawing/2014/main" id="{43742701-CAB6-4F77-94C4-51E6C940D884}"/>
+                          </a:ext>
+                        </a:extLst>
+                      </p:cNvPr>
+                      <p:cNvPicPr/>
+                      <p:nvPr/>
+                    </p:nvPicPr>
+                    <p:blipFill>
+                      <a:blip r:embed="rId5"/>
+                      <a:stretch>
+                        <a:fillRect/>
+                      </a:stretch>
+                    </p:blipFill>
+                    <p:spPr>
+                      <a:xfrm>
+                        <a:off x="7208839" y="5886451"/>
+                        <a:ext cx="242887" cy="239713"/>
+                      </a:xfrm>
+                      <a:prstGeom prst="rect">
+                        <a:avLst/>
+                      </a:prstGeom>
+                    </p:spPr>
+                  </p:pic>
+                </p:oleObj>
+              </mc:Fallback>
+            </mc:AlternateContent>
+          </a:graphicData>
+        </a:graphic>
+      </p:graphicFrame>
+      <p:cxnSp>
+        <p:nvCxnSpPr>
+          <p:cNvPr id="12" name="直接箭头连接符 11">
+            <a:extLst>
+              <a:ext uri="{FF2B5EF4-FFF2-40B4-BE49-F238E27FC236}">
+                <a16:creationId xmlns:a16="http://schemas.microsoft.com/office/drawing/2014/main" id="{033C6210-5789-4CC7-A793-F9B272C3573F}"/>
+              </a:ext>
+            </a:extLst>
+          </p:cNvPr>
+          <p:cNvCxnSpPr>
+            <a:cxnSpLocks/>
+          </p:cNvCxnSpPr>
+          <p:nvPr/>
+        </p:nvCxnSpPr>
+        <p:spPr>
+          <a:xfrm>
+            <a:off x="2164080" y="1889316"/>
+            <a:ext cx="1207008" cy="1152144"/>
+          </a:xfrm>
+          <a:prstGeom prst="straightConnector1">
+            <a:avLst/>
+          </a:prstGeom>
+          <a:ln>
+            <a:prstDash val="lgDashDotDot"/>
+            <a:headEnd type="diamond" w="med" len="med"/>
+            <a:tailEnd type="diamond" w="med" len="med"/>
+          </a:ln>
+        </p:spPr>
+        <p:style>
+          <a:lnRef idx="1">
+            <a:schemeClr val="dk1"/>
+          </a:lnRef>
+          <a:fillRef idx="0">
+            <a:schemeClr val="dk1"/>
+          </a:fillRef>
+          <a:effectRef idx="0">
+            <a:schemeClr val="dk1"/>
+          </a:effectRef>
+          <a:fontRef idx="minor">
+            <a:schemeClr val="tx1"/>
+          </a:fontRef>
+        </p:style>
+      </p:cxnSp>
+      <p:cxnSp>
+        <p:nvCxnSpPr>
+          <p:cNvPr id="15" name="直接箭头连接符 14">
+            <a:extLst>
+              <a:ext uri="{FF2B5EF4-FFF2-40B4-BE49-F238E27FC236}">
+                <a16:creationId xmlns:a16="http://schemas.microsoft.com/office/drawing/2014/main" id="{BB699E6C-975B-4B71-BFA4-276CB1FAAC5B}"/>
+              </a:ext>
+            </a:extLst>
+          </p:cNvPr>
+          <p:cNvCxnSpPr>
+            <a:cxnSpLocks/>
+          </p:cNvCxnSpPr>
+          <p:nvPr/>
+        </p:nvCxnSpPr>
+        <p:spPr>
+          <a:xfrm>
+            <a:off x="3371088" y="3041460"/>
+            <a:ext cx="0" cy="2737548"/>
+          </a:xfrm>
+          <a:prstGeom prst="straightConnector1">
+            <a:avLst/>
+          </a:prstGeom>
+          <a:ln>
+            <a:prstDash val="sysDot"/>
+            <a:headEnd type="oval" w="med" len="med"/>
+            <a:tailEnd type="oval" w="med" len="med"/>
+          </a:ln>
+        </p:spPr>
+        <p:style>
+          <a:lnRef idx="1">
+            <a:schemeClr val="dk1"/>
+          </a:lnRef>
+          <a:fillRef idx="0">
+            <a:schemeClr val="dk1"/>
+          </a:fillRef>
+          <a:effectRef idx="0">
+            <a:schemeClr val="dk1"/>
+          </a:effectRef>
+          <a:fontRef idx="minor">
+            <a:schemeClr val="tx1"/>
+          </a:fontRef>
+        </p:style>
+      </p:cxnSp>
+      <p:graphicFrame>
+        <p:nvGraphicFramePr>
+          <p:cNvPr id="17" name="对象 16">
+            <a:extLst>
+              <a:ext uri="{FF2B5EF4-FFF2-40B4-BE49-F238E27FC236}">
+                <a16:creationId xmlns:a16="http://schemas.microsoft.com/office/drawing/2014/main" id="{4D742D15-1145-4A8F-BEFB-229C79E787ED}"/>
+              </a:ext>
+            </a:extLst>
+          </p:cNvPr>
+          <p:cNvGraphicFramePr>
+            <a:graphicFrameLocks noChangeAspect="1"/>
+          </p:cNvGraphicFramePr>
+          <p:nvPr/>
+        </p:nvGraphicFramePr>
+        <p:xfrm>
+          <a:off x="3132963" y="5888356"/>
+          <a:ext cx="476250" cy="236538"/>
+        </p:xfrm>
+        <a:graphic>
+          <a:graphicData uri="http://schemas.openxmlformats.org/presentationml/2006/ole">
+            <mc:AlternateContent xmlns:mc="http://schemas.openxmlformats.org/markup-compatibility/2006">
+              <mc:Choice xmlns:v="urn:schemas-microsoft-com:vml" Requires="v">
+                <p:oleObj name="Formula" r:id="rId6" imgW="240120" imgH="119520" progId="Equation.Ribbit">
+                  <p:embed/>
+                </p:oleObj>
+              </mc:Choice>
+              <mc:Fallback>
+                <p:oleObj name="Formula" r:id="rId6" imgW="240120" imgH="119520" progId="Equation.Ribbit">
+                  <p:embed/>
+                  <p:pic>
+                    <p:nvPicPr>
+                      <p:cNvPr id="17" name="对象 16">
+                        <a:extLst>
+                          <a:ext uri="{FF2B5EF4-FFF2-40B4-BE49-F238E27FC236}">
+                            <a16:creationId xmlns:a16="http://schemas.microsoft.com/office/drawing/2014/main" id="{4D742D15-1145-4A8F-BEFB-229C79E787ED}"/>
+                          </a:ext>
+                        </a:extLst>
+                      </p:cNvPr>
+                      <p:cNvPicPr/>
+                      <p:nvPr/>
+                    </p:nvPicPr>
+                    <p:blipFill>
+                      <a:blip r:embed="rId7"/>
+                      <a:stretch>
+                        <a:fillRect/>
+                      </a:stretch>
+                    </p:blipFill>
+                    <p:spPr>
+                      <a:xfrm>
+                        <a:off x="3132963" y="5888356"/>
+                        <a:ext cx="476250" cy="236538"/>
+                      </a:xfrm>
+                      <a:prstGeom prst="rect">
+                        <a:avLst/>
+                      </a:prstGeom>
+                    </p:spPr>
+                  </p:pic>
+                </p:oleObj>
+              </mc:Fallback>
+            </mc:AlternateContent>
+          </a:graphicData>
+        </a:graphic>
+      </p:graphicFrame>
+      <p:graphicFrame>
+        <p:nvGraphicFramePr>
+          <p:cNvPr id="18" name="对象 17">
+            <a:extLst>
+              <a:ext uri="{FF2B5EF4-FFF2-40B4-BE49-F238E27FC236}">
+                <a16:creationId xmlns:a16="http://schemas.microsoft.com/office/drawing/2014/main" id="{9265BF84-9436-4D18-811D-894FF8BCAD6A}"/>
+              </a:ext>
+            </a:extLst>
+          </p:cNvPr>
+          <p:cNvGraphicFramePr>
+            <a:graphicFrameLocks noChangeAspect="1"/>
+          </p:cNvGraphicFramePr>
+          <p:nvPr/>
+        </p:nvGraphicFramePr>
+        <p:xfrm>
+          <a:off x="3016894" y="2198053"/>
+          <a:ext cx="1238250" cy="358775"/>
+        </p:xfrm>
+        <a:graphic>
+          <a:graphicData uri="http://schemas.openxmlformats.org/presentationml/2006/ole">
+            <mc:AlternateContent xmlns:mc="http://schemas.openxmlformats.org/markup-compatibility/2006">
+              <mc:Choice xmlns:v="urn:schemas-microsoft-com:vml" Requires="v">
+                <p:oleObj name="Formula" r:id="rId8" imgW="623880" imgH="180360" progId="Equation.Ribbit">
+                  <p:embed/>
+                </p:oleObj>
+              </mc:Choice>
+              <mc:Fallback>
+                <p:oleObj name="Formula" r:id="rId8" imgW="623880" imgH="180360" progId="Equation.Ribbit">
+                  <p:embed/>
+                  <p:pic>
+                    <p:nvPicPr>
+                      <p:cNvPr id="18" name="对象 17">
+                        <a:extLst>
+                          <a:ext uri="{FF2B5EF4-FFF2-40B4-BE49-F238E27FC236}">
+                            <a16:creationId xmlns:a16="http://schemas.microsoft.com/office/drawing/2014/main" id="{9265BF84-9436-4D18-811D-894FF8BCAD6A}"/>
+                          </a:ext>
+                        </a:extLst>
+                      </p:cNvPr>
+                      <p:cNvPicPr/>
+                      <p:nvPr/>
+                    </p:nvPicPr>
+                    <p:blipFill>
+                      <a:blip r:embed="rId9"/>
+                      <a:stretch>
+                        <a:fillRect/>
+                      </a:stretch>
+                    </p:blipFill>
+                    <p:spPr>
+                      <a:xfrm>
+                        <a:off x="3016894" y="2198053"/>
+                        <a:ext cx="1238250" cy="358775"/>
+                      </a:xfrm>
+                      <a:prstGeom prst="rect">
+                        <a:avLst/>
+                      </a:prstGeom>
+                    </p:spPr>
+                  </p:pic>
+                </p:oleObj>
+              </mc:Fallback>
+            </mc:AlternateContent>
+          </a:graphicData>
+        </a:graphic>
+      </p:graphicFrame>
+      <p:cxnSp>
+        <p:nvCxnSpPr>
+          <p:cNvPr id="20" name="直接箭头连接符 19">
+            <a:extLst>
+              <a:ext uri="{FF2B5EF4-FFF2-40B4-BE49-F238E27FC236}">
+                <a16:creationId xmlns:a16="http://schemas.microsoft.com/office/drawing/2014/main" id="{7E348587-5044-47E3-B715-10BB55E390C3}"/>
+              </a:ext>
+            </a:extLst>
+          </p:cNvPr>
+          <p:cNvCxnSpPr>
+            <a:cxnSpLocks/>
+          </p:cNvCxnSpPr>
+          <p:nvPr/>
+        </p:nvCxnSpPr>
+        <p:spPr>
+          <a:xfrm>
+            <a:off x="3371089" y="3041460"/>
+            <a:ext cx="1000125" cy="484633"/>
+          </a:xfrm>
+          <a:prstGeom prst="straightConnector1">
+            <a:avLst/>
+          </a:prstGeom>
+          <a:ln>
+            <a:prstDash val="solid"/>
+            <a:headEnd type="none" w="med" len="med"/>
+            <a:tailEnd type="none" w="med" len="med"/>
+          </a:ln>
+        </p:spPr>
+        <p:style>
+          <a:lnRef idx="1">
+            <a:schemeClr val="dk1"/>
+          </a:lnRef>
+          <a:fillRef idx="0">
+            <a:schemeClr val="dk1"/>
+          </a:fillRef>
+          <a:effectRef idx="0">
+            <a:schemeClr val="dk1"/>
+          </a:effectRef>
+          <a:fontRef idx="minor">
+            <a:schemeClr val="tx1"/>
+          </a:fontRef>
+        </p:style>
+      </p:cxnSp>
+      <p:cxnSp>
+        <p:nvCxnSpPr>
+          <p:cNvPr id="25" name="直接连接符 24">
+            <a:extLst>
+              <a:ext uri="{FF2B5EF4-FFF2-40B4-BE49-F238E27FC236}">
+                <a16:creationId xmlns:a16="http://schemas.microsoft.com/office/drawing/2014/main" id="{0446A58F-4AC8-4F4D-917A-44933CC11D6E}"/>
+              </a:ext>
+            </a:extLst>
+          </p:cNvPr>
+          <p:cNvCxnSpPr>
+            <a:cxnSpLocks/>
+          </p:cNvCxnSpPr>
+          <p:nvPr/>
+        </p:nvCxnSpPr>
+        <p:spPr>
+          <a:xfrm>
+            <a:off x="2276284" y="2361031"/>
+            <a:ext cx="3377993" cy="2135939"/>
+          </a:xfrm>
+          <a:prstGeom prst="line">
+            <a:avLst/>
+          </a:prstGeom>
+          <a:ln w="19050">
+            <a:solidFill>
+              <a:schemeClr val="tx1"/>
+            </a:solidFill>
+            <a:prstDash val="sysDash"/>
+          </a:ln>
+        </p:spPr>
+        <p:style>
+          <a:lnRef idx="1">
+            <a:schemeClr val="dk1"/>
+          </a:lnRef>
+          <a:fillRef idx="0">
+            <a:schemeClr val="dk1"/>
+          </a:fillRef>
+          <a:effectRef idx="0">
+            <a:schemeClr val="dk1"/>
+          </a:effectRef>
+          <a:fontRef idx="minor">
+            <a:schemeClr val="tx1"/>
+          </a:fontRef>
+        </p:style>
+      </p:cxnSp>
+      <p:cxnSp>
+        <p:nvCxnSpPr>
+          <p:cNvPr id="29" name="直接箭头连接符 28">
+            <a:extLst>
+              <a:ext uri="{FF2B5EF4-FFF2-40B4-BE49-F238E27FC236}">
+                <a16:creationId xmlns:a16="http://schemas.microsoft.com/office/drawing/2014/main" id="{72E79FCC-DD1D-4FB2-B785-948AD954C5A2}"/>
+              </a:ext>
+            </a:extLst>
+          </p:cNvPr>
+          <p:cNvCxnSpPr/>
+          <p:nvPr/>
+        </p:nvCxnSpPr>
+        <p:spPr>
+          <a:xfrm flipV="1">
+            <a:off x="2642863" y="2913585"/>
+            <a:ext cx="357809" cy="732656"/>
+          </a:xfrm>
+          <a:prstGeom prst="straightConnector1">
+            <a:avLst/>
+          </a:prstGeom>
+          <a:ln>
+            <a:tailEnd type="triangle"/>
+          </a:ln>
+        </p:spPr>
+        <p:style>
+          <a:lnRef idx="3">
+            <a:schemeClr val="dk1"/>
+          </a:lnRef>
+          <a:fillRef idx="0">
+            <a:schemeClr val="dk1"/>
+          </a:fillRef>
+          <a:effectRef idx="2">
+            <a:schemeClr val="dk1"/>
+          </a:effectRef>
+          <a:fontRef idx="minor">
+            <a:schemeClr val="tx1"/>
+          </a:fontRef>
+        </p:style>
+      </p:cxnSp>
+      <p:graphicFrame>
+        <p:nvGraphicFramePr>
+          <p:cNvPr id="31" name="对象 30">
+            <a:extLst>
+              <a:ext uri="{FF2B5EF4-FFF2-40B4-BE49-F238E27FC236}">
+                <a16:creationId xmlns:a16="http://schemas.microsoft.com/office/drawing/2014/main" id="{C8C76398-3390-4772-8382-D2E3852DCF04}"/>
+              </a:ext>
+            </a:extLst>
+          </p:cNvPr>
+          <p:cNvGraphicFramePr>
+            <a:graphicFrameLocks noChangeAspect="1"/>
+          </p:cNvGraphicFramePr>
+          <p:nvPr/>
+        </p:nvGraphicFramePr>
+        <p:xfrm>
+          <a:off x="2313429" y="3647331"/>
+          <a:ext cx="779462" cy="252413"/>
+        </p:xfrm>
+        <a:graphic>
+          <a:graphicData uri="http://schemas.openxmlformats.org/presentationml/2006/ole">
+            <mc:AlternateContent xmlns:mc="http://schemas.openxmlformats.org/markup-compatibility/2006">
+              <mc:Choice xmlns:v="urn:schemas-microsoft-com:vml" Requires="v">
+                <p:oleObj name="Formula" r:id="rId10" imgW="393840" imgH="127080" progId="Equation.Ribbit">
+                  <p:embed/>
+                </p:oleObj>
+              </mc:Choice>
+              <mc:Fallback>
+                <p:oleObj name="Formula" r:id="rId10" imgW="393840" imgH="127080" progId="Equation.Ribbit">
+                  <p:embed/>
+                  <p:pic>
+                    <p:nvPicPr>
+                      <p:cNvPr id="31" name="对象 30">
+                        <a:extLst>
+                          <a:ext uri="{FF2B5EF4-FFF2-40B4-BE49-F238E27FC236}">
+                            <a16:creationId xmlns:a16="http://schemas.microsoft.com/office/drawing/2014/main" id="{C8C76398-3390-4772-8382-D2E3852DCF04}"/>
+                          </a:ext>
+                        </a:extLst>
+                      </p:cNvPr>
+                      <p:cNvPicPr/>
+                      <p:nvPr/>
+                    </p:nvPicPr>
+                    <p:blipFill>
+                      <a:blip r:embed="rId11"/>
+                      <a:stretch>
+                        <a:fillRect/>
+                      </a:stretch>
+                    </p:blipFill>
+                    <p:spPr>
+                      <a:xfrm>
+                        <a:off x="2313429" y="3647331"/>
+                        <a:ext cx="779462" cy="252413"/>
+                      </a:xfrm>
+                      <a:prstGeom prst="rect">
+                        <a:avLst/>
+                      </a:prstGeom>
+                    </p:spPr>
+                  </p:pic>
+                </p:oleObj>
+              </mc:Fallback>
+            </mc:AlternateContent>
+          </a:graphicData>
+        </a:graphic>
+      </p:graphicFrame>
+      <p:graphicFrame>
+        <p:nvGraphicFramePr>
+          <p:cNvPr id="32" name="对象 31">
+            <a:extLst>
+              <a:ext uri="{FF2B5EF4-FFF2-40B4-BE49-F238E27FC236}">
+                <a16:creationId xmlns:a16="http://schemas.microsoft.com/office/drawing/2014/main" id="{950FBED8-5749-4B49-AEAC-BC5E36128A0D}"/>
+              </a:ext>
+            </a:extLst>
+          </p:cNvPr>
+          <p:cNvGraphicFramePr>
+            <a:graphicFrameLocks noChangeAspect="1"/>
+          </p:cNvGraphicFramePr>
+          <p:nvPr/>
+        </p:nvGraphicFramePr>
+        <p:xfrm>
+          <a:off x="4126311" y="3035616"/>
+          <a:ext cx="1238250" cy="330200"/>
+        </p:xfrm>
+        <a:graphic>
+          <a:graphicData uri="http://schemas.openxmlformats.org/presentationml/2006/ole">
+            <mc:AlternateContent xmlns:mc="http://schemas.openxmlformats.org/markup-compatibility/2006">
+              <mc:Choice xmlns:v="urn:schemas-microsoft-com:vml" Requires="v">
+                <p:oleObj name="Formula" r:id="rId12" imgW="623880" imgH="166680" progId="Equation.Ribbit">
+                  <p:embed/>
+                </p:oleObj>
+              </mc:Choice>
+              <mc:Fallback>
+                <p:oleObj name="Formula" r:id="rId12" imgW="623880" imgH="166680" progId="Equation.Ribbit">
+                  <p:embed/>
+                  <p:pic>
+                    <p:nvPicPr>
+                      <p:cNvPr id="32" name="对象 31">
+                        <a:extLst>
+                          <a:ext uri="{FF2B5EF4-FFF2-40B4-BE49-F238E27FC236}">
+                            <a16:creationId xmlns:a16="http://schemas.microsoft.com/office/drawing/2014/main" id="{950FBED8-5749-4B49-AEAC-BC5E36128A0D}"/>
+                          </a:ext>
+                        </a:extLst>
+                      </p:cNvPr>
+                      <p:cNvPicPr/>
+                      <p:nvPr/>
+                    </p:nvPicPr>
+                    <p:blipFill>
+                      <a:blip r:embed="rId13"/>
+                      <a:stretch>
+                        <a:fillRect/>
+                      </a:stretch>
+                    </p:blipFill>
+                    <p:spPr>
+                      <a:xfrm>
+                        <a:off x="4126311" y="3035616"/>
+                        <a:ext cx="1238250" cy="330200"/>
+                      </a:xfrm>
+                      <a:prstGeom prst="rect">
+                        <a:avLst/>
+                      </a:prstGeom>
+                    </p:spPr>
+                  </p:pic>
+                </p:oleObj>
+              </mc:Fallback>
+            </mc:AlternateContent>
+          </a:graphicData>
+        </a:graphic>
+      </p:graphicFrame>
+      <p:cxnSp>
+        <p:nvCxnSpPr>
+          <p:cNvPr id="35" name="直接连接符 34">
+            <a:extLst>
+              <a:ext uri="{FF2B5EF4-FFF2-40B4-BE49-F238E27FC236}">
+                <a16:creationId xmlns:a16="http://schemas.microsoft.com/office/drawing/2014/main" id="{77C8CBE5-33DB-4C4C-8F44-3866CC5A14A1}"/>
+              </a:ext>
+            </a:extLst>
+          </p:cNvPr>
+          <p:cNvCxnSpPr>
+            <a:cxnSpLocks/>
+          </p:cNvCxnSpPr>
+          <p:nvPr/>
+        </p:nvCxnSpPr>
+        <p:spPr>
+          <a:xfrm>
+            <a:off x="4011622" y="3773536"/>
+            <a:ext cx="4214192" cy="830874"/>
+          </a:xfrm>
+          <a:prstGeom prst="line">
+            <a:avLst/>
+          </a:prstGeom>
+          <a:ln w="19050">
+            <a:solidFill>
+              <a:schemeClr val="tx1"/>
+            </a:solidFill>
+            <a:prstDash val="sysDash"/>
+          </a:ln>
+        </p:spPr>
+        <p:style>
+          <a:lnRef idx="1">
+            <a:schemeClr val="dk1"/>
+          </a:lnRef>
+          <a:fillRef idx="0">
+            <a:schemeClr val="dk1"/>
+          </a:fillRef>
+          <a:effectRef idx="0">
+            <a:schemeClr val="dk1"/>
+          </a:effectRef>
+          <a:fontRef idx="minor">
+            <a:schemeClr val="tx1"/>
+          </a:fontRef>
+        </p:style>
+      </p:cxnSp>
+      <p:cxnSp>
+        <p:nvCxnSpPr>
+          <p:cNvPr id="39" name="直接连接符 38">
+            <a:extLst>
+              <a:ext uri="{FF2B5EF4-FFF2-40B4-BE49-F238E27FC236}">
+                <a16:creationId xmlns:a16="http://schemas.microsoft.com/office/drawing/2014/main" id="{2D3C0964-30E4-4587-AC01-76DD1C5061E6}"/>
+              </a:ext>
+            </a:extLst>
+          </p:cNvPr>
+          <p:cNvCxnSpPr>
+            <a:cxnSpLocks/>
+          </p:cNvCxnSpPr>
+          <p:nvPr/>
+        </p:nvCxnSpPr>
+        <p:spPr>
+          <a:xfrm>
+            <a:off x="4674941" y="3899744"/>
+            <a:ext cx="0" cy="1879265"/>
+          </a:xfrm>
+          <a:prstGeom prst="line">
+            <a:avLst/>
+          </a:prstGeom>
+          <a:ln>
+            <a:prstDash val="sysDot"/>
+            <a:headEnd type="oval" w="med" len="med"/>
+            <a:tailEnd type="oval" w="med" len="med"/>
+          </a:ln>
+        </p:spPr>
+        <p:style>
+          <a:lnRef idx="1">
+            <a:schemeClr val="dk1"/>
+          </a:lnRef>
+          <a:fillRef idx="0">
+            <a:schemeClr val="dk1"/>
+          </a:fillRef>
+          <a:effectRef idx="0">
+            <a:schemeClr val="dk1"/>
+          </a:effectRef>
+          <a:fontRef idx="minor">
+            <a:schemeClr val="tx1"/>
+          </a:fontRef>
+        </p:style>
+      </p:cxnSp>
+      <p:cxnSp>
+        <p:nvCxnSpPr>
+          <p:cNvPr id="43" name="直接连接符 42">
+            <a:extLst>
+              <a:ext uri="{FF2B5EF4-FFF2-40B4-BE49-F238E27FC236}">
+                <a16:creationId xmlns:a16="http://schemas.microsoft.com/office/drawing/2014/main" id="{4561AF75-3E34-4458-AC64-0FFA419ABC00}"/>
+              </a:ext>
+            </a:extLst>
+          </p:cNvPr>
+          <p:cNvCxnSpPr>
+            <a:cxnSpLocks/>
+          </p:cNvCxnSpPr>
+          <p:nvPr/>
+        </p:nvCxnSpPr>
+        <p:spPr>
+          <a:xfrm>
+            <a:off x="7330237" y="4410234"/>
+            <a:ext cx="0" cy="1368774"/>
+          </a:xfrm>
+          <a:prstGeom prst="line">
+            <a:avLst/>
+          </a:prstGeom>
+          <a:ln>
+            <a:prstDash val="sysDot"/>
+            <a:headEnd type="oval" w="med" len="med"/>
+            <a:tailEnd type="oval" w="med" len="med"/>
+          </a:ln>
+        </p:spPr>
+        <p:style>
+          <a:lnRef idx="1">
+            <a:schemeClr val="dk1"/>
+          </a:lnRef>
+          <a:fillRef idx="0">
+            <a:schemeClr val="dk1"/>
+          </a:fillRef>
+          <a:effectRef idx="0">
+            <a:schemeClr val="dk1"/>
+          </a:effectRef>
+          <a:fontRef idx="minor">
+            <a:schemeClr val="tx1"/>
+          </a:fontRef>
+        </p:style>
+      </p:cxnSp>
+      <p:cxnSp>
+        <p:nvCxnSpPr>
+          <p:cNvPr id="44" name="直接箭头连接符 43">
+            <a:extLst>
+              <a:ext uri="{FF2B5EF4-FFF2-40B4-BE49-F238E27FC236}">
+                <a16:creationId xmlns:a16="http://schemas.microsoft.com/office/drawing/2014/main" id="{913CE92F-BDE6-4E5A-B066-50FD1C6B00F6}"/>
+              </a:ext>
+            </a:extLst>
+          </p:cNvPr>
+          <p:cNvCxnSpPr>
+            <a:cxnSpLocks/>
+          </p:cNvCxnSpPr>
+          <p:nvPr/>
+        </p:nvCxnSpPr>
+        <p:spPr>
+          <a:xfrm>
+            <a:off x="4372747" y="3531171"/>
+            <a:ext cx="638468" cy="303443"/>
+          </a:xfrm>
+          <a:prstGeom prst="straightConnector1">
+            <a:avLst/>
+          </a:prstGeom>
+          <a:ln>
+            <a:prstDash val="lgDashDotDot"/>
+            <a:headEnd type="none" w="med" len="med"/>
+            <a:tailEnd type="none" w="med" len="med"/>
+          </a:ln>
+        </p:spPr>
+        <p:style>
+          <a:lnRef idx="1">
+            <a:schemeClr val="dk1"/>
+          </a:lnRef>
+          <a:fillRef idx="0">
+            <a:schemeClr val="dk1"/>
+          </a:fillRef>
+          <a:effectRef idx="0">
+            <a:schemeClr val="dk1"/>
+          </a:effectRef>
+          <a:fontRef idx="minor">
+            <a:schemeClr val="tx1"/>
+          </a:fontRef>
+        </p:style>
+      </p:cxnSp>
+      <p:cxnSp>
+        <p:nvCxnSpPr>
+          <p:cNvPr id="48" name="直接箭头连接符 47">
+            <a:extLst>
+              <a:ext uri="{FF2B5EF4-FFF2-40B4-BE49-F238E27FC236}">
+                <a16:creationId xmlns:a16="http://schemas.microsoft.com/office/drawing/2014/main" id="{CD501E1E-20E8-443D-BF9B-64046FD467BA}"/>
+              </a:ext>
+            </a:extLst>
+          </p:cNvPr>
+          <p:cNvCxnSpPr>
+            <a:cxnSpLocks/>
+          </p:cNvCxnSpPr>
+          <p:nvPr/>
+        </p:nvCxnSpPr>
+        <p:spPr>
+          <a:xfrm>
+            <a:off x="5025125" y="3841736"/>
+            <a:ext cx="773165" cy="194245"/>
+          </a:xfrm>
+          <a:prstGeom prst="straightConnector1">
+            <a:avLst/>
+          </a:prstGeom>
+          <a:ln>
+            <a:prstDash val="lgDashDotDot"/>
+            <a:headEnd type="none" w="med" len="med"/>
+            <a:tailEnd type="none" w="med" len="med"/>
+          </a:ln>
+        </p:spPr>
+        <p:style>
+          <a:lnRef idx="1">
+            <a:schemeClr val="dk1"/>
+          </a:lnRef>
+          <a:fillRef idx="0">
+            <a:schemeClr val="dk1"/>
+          </a:fillRef>
+          <a:effectRef idx="0">
+            <a:schemeClr val="dk1"/>
+          </a:effectRef>
+          <a:fontRef idx="minor">
+            <a:schemeClr val="tx1"/>
+          </a:fontRef>
+        </p:style>
+      </p:cxnSp>
+      <p:cxnSp>
+        <p:nvCxnSpPr>
+          <p:cNvPr id="51" name="直接箭头连接符 50">
+            <a:extLst>
+              <a:ext uri="{FF2B5EF4-FFF2-40B4-BE49-F238E27FC236}">
+                <a16:creationId xmlns:a16="http://schemas.microsoft.com/office/drawing/2014/main" id="{0D6A31DA-B475-4480-9DB7-937804470F3B}"/>
+              </a:ext>
+            </a:extLst>
+          </p:cNvPr>
+          <p:cNvCxnSpPr>
+            <a:cxnSpLocks/>
+          </p:cNvCxnSpPr>
+          <p:nvPr/>
+        </p:nvCxnSpPr>
+        <p:spPr>
+          <a:xfrm>
+            <a:off x="5798289" y="4035796"/>
+            <a:ext cx="1531948" cy="374438"/>
+          </a:xfrm>
+          <a:prstGeom prst="straightConnector1">
+            <a:avLst/>
+          </a:prstGeom>
+          <a:ln>
+            <a:prstDash val="solid"/>
+            <a:headEnd type="none" w="med" len="med"/>
+            <a:tailEnd type="none" w="med" len="med"/>
+          </a:ln>
+        </p:spPr>
+        <p:style>
+          <a:lnRef idx="1">
+            <a:schemeClr val="dk1"/>
+          </a:lnRef>
+          <a:fillRef idx="0">
+            <a:schemeClr val="dk1"/>
+          </a:fillRef>
+          <a:effectRef idx="0">
+            <a:schemeClr val="dk1"/>
+          </a:effectRef>
+          <a:fontRef idx="minor">
+            <a:schemeClr val="tx1"/>
+          </a:fontRef>
+        </p:style>
+      </p:cxnSp>
+      <p:cxnSp>
+        <p:nvCxnSpPr>
+          <p:cNvPr id="65" name="直接箭头连接符 64">
+            <a:extLst>
+              <a:ext uri="{FF2B5EF4-FFF2-40B4-BE49-F238E27FC236}">
+                <a16:creationId xmlns:a16="http://schemas.microsoft.com/office/drawing/2014/main" id="{3121B6B0-C1CB-447C-BAA3-3D8E99532A4A}"/>
+              </a:ext>
+            </a:extLst>
+          </p:cNvPr>
+          <p:cNvCxnSpPr>
+            <a:cxnSpLocks/>
+          </p:cNvCxnSpPr>
+          <p:nvPr/>
+        </p:nvCxnSpPr>
+        <p:spPr>
+          <a:xfrm flipV="1">
+            <a:off x="5980942" y="4303325"/>
+            <a:ext cx="232142" cy="504511"/>
+          </a:xfrm>
+          <a:prstGeom prst="straightConnector1">
+            <a:avLst/>
+          </a:prstGeom>
+          <a:ln>
+            <a:tailEnd type="triangle"/>
+          </a:ln>
+        </p:spPr>
+        <p:style>
+          <a:lnRef idx="3">
+            <a:schemeClr val="dk1"/>
+          </a:lnRef>
+          <a:fillRef idx="0">
+            <a:schemeClr val="dk1"/>
+          </a:fillRef>
+          <a:effectRef idx="2">
+            <a:schemeClr val="dk1"/>
+          </a:effectRef>
+          <a:fontRef idx="minor">
+            <a:schemeClr val="tx1"/>
+          </a:fontRef>
+        </p:style>
+      </p:cxnSp>
+      <p:cxnSp>
+        <p:nvCxnSpPr>
+          <p:cNvPr id="67" name="直接箭头连接符 66">
+            <a:extLst>
+              <a:ext uri="{FF2B5EF4-FFF2-40B4-BE49-F238E27FC236}">
+                <a16:creationId xmlns:a16="http://schemas.microsoft.com/office/drawing/2014/main" id="{521518E7-0D40-4A13-973D-371D63C7960B}"/>
+              </a:ext>
+            </a:extLst>
+          </p:cNvPr>
+          <p:cNvCxnSpPr>
+            <a:cxnSpLocks/>
+          </p:cNvCxnSpPr>
+          <p:nvPr/>
+        </p:nvCxnSpPr>
+        <p:spPr>
+          <a:xfrm>
+            <a:off x="7288964" y="4410234"/>
+            <a:ext cx="1531948" cy="157687"/>
+          </a:xfrm>
+          <a:prstGeom prst="straightConnector1">
+            <a:avLst/>
+          </a:prstGeom>
+          <a:ln>
+            <a:prstDash val="solid"/>
+            <a:headEnd type="none" w="med" len="med"/>
+            <a:tailEnd type="none" w="med" len="med"/>
+          </a:ln>
+        </p:spPr>
+        <p:style>
+          <a:lnRef idx="1">
+            <a:schemeClr val="dk1"/>
+          </a:lnRef>
+          <a:fillRef idx="0">
+            <a:schemeClr val="dk1"/>
+          </a:fillRef>
+          <a:effectRef idx="0">
+            <a:schemeClr val="dk1"/>
+          </a:effectRef>
+          <a:fontRef idx="minor">
+            <a:schemeClr val="tx1"/>
+          </a:fontRef>
+        </p:style>
+      </p:cxnSp>
+      <p:graphicFrame>
+        <p:nvGraphicFramePr>
+          <p:cNvPr id="70" name="对象 69">
+            <a:extLst>
+              <a:ext uri="{FF2B5EF4-FFF2-40B4-BE49-F238E27FC236}">
+                <a16:creationId xmlns:a16="http://schemas.microsoft.com/office/drawing/2014/main" id="{2D729B0D-94DA-4FD3-B2AF-B29B98A5B6B5}"/>
+              </a:ext>
+            </a:extLst>
+          </p:cNvPr>
+          <p:cNvGraphicFramePr>
+            <a:graphicFrameLocks noChangeAspect="1"/>
+          </p:cNvGraphicFramePr>
+          <p:nvPr/>
+        </p:nvGraphicFramePr>
+        <p:xfrm>
+          <a:off x="6146800" y="3681413"/>
+          <a:ext cx="1017588" cy="336550"/>
+        </p:xfrm>
+        <a:graphic>
+          <a:graphicData uri="http://schemas.openxmlformats.org/presentationml/2006/ole">
+            <mc:AlternateContent xmlns:mc="http://schemas.openxmlformats.org/markup-compatibility/2006">
+              <mc:Choice xmlns:v="urn:schemas-microsoft-com:vml" Requires="v">
+                <p:oleObj name="Formula" r:id="rId14" imgW="513360" imgH="170280" progId="Equation.Ribbit">
+                  <p:embed/>
+                </p:oleObj>
+              </mc:Choice>
+              <mc:Fallback>
+                <p:oleObj name="Formula" r:id="rId14" imgW="513360" imgH="170280" progId="Equation.Ribbit">
+                  <p:embed/>
+                  <p:pic>
+                    <p:nvPicPr>
+                      <p:cNvPr id="70" name="对象 69">
+                        <a:extLst>
+                          <a:ext uri="{FF2B5EF4-FFF2-40B4-BE49-F238E27FC236}">
+                            <a16:creationId xmlns:a16="http://schemas.microsoft.com/office/drawing/2014/main" id="{2D729B0D-94DA-4FD3-B2AF-B29B98A5B6B5}"/>
+                          </a:ext>
+                        </a:extLst>
+                      </p:cNvPr>
+                      <p:cNvPicPr/>
+                      <p:nvPr/>
+                    </p:nvPicPr>
+                    <p:blipFill>
+                      <a:blip r:embed="rId15"/>
+                      <a:stretch>
+                        <a:fillRect/>
+                      </a:stretch>
+                    </p:blipFill>
+                    <p:spPr>
+                      <a:xfrm>
+                        <a:off x="6146800" y="3681413"/>
+                        <a:ext cx="1017588" cy="336550"/>
+                      </a:xfrm>
+                      <a:prstGeom prst="rect">
+                        <a:avLst/>
+                      </a:prstGeom>
+                    </p:spPr>
+                  </p:pic>
+                </p:oleObj>
+              </mc:Fallback>
+            </mc:AlternateContent>
+          </a:graphicData>
+        </a:graphic>
+      </p:graphicFrame>
+      <p:graphicFrame>
+        <p:nvGraphicFramePr>
+          <p:cNvPr id="71" name="对象 70">
+            <a:extLst>
+              <a:ext uri="{FF2B5EF4-FFF2-40B4-BE49-F238E27FC236}">
+                <a16:creationId xmlns:a16="http://schemas.microsoft.com/office/drawing/2014/main" id="{93257673-B2B6-4228-A6D4-0553F30C53CA}"/>
+              </a:ext>
+            </a:extLst>
+          </p:cNvPr>
+          <p:cNvGraphicFramePr>
+            <a:graphicFrameLocks noChangeAspect="1"/>
+          </p:cNvGraphicFramePr>
+          <p:nvPr/>
+        </p:nvGraphicFramePr>
+        <p:xfrm>
+          <a:off x="8164808" y="4113504"/>
+          <a:ext cx="1017588" cy="307975"/>
+        </p:xfrm>
+        <a:graphic>
+          <a:graphicData uri="http://schemas.openxmlformats.org/presentationml/2006/ole">
+            <mc:AlternateContent xmlns:mc="http://schemas.openxmlformats.org/markup-compatibility/2006">
+              <mc:Choice xmlns:v="urn:schemas-microsoft-com:vml" Requires="v">
+                <p:oleObj name="Formula" r:id="rId16" imgW="513360" imgH="156240" progId="Equation.Ribbit">
+                  <p:embed/>
+                </p:oleObj>
+              </mc:Choice>
+              <mc:Fallback>
+                <p:oleObj name="Formula" r:id="rId16" imgW="513360" imgH="156240" progId="Equation.Ribbit">
+                  <p:embed/>
+                  <p:pic>
+                    <p:nvPicPr>
+                      <p:cNvPr id="71" name="对象 70">
+                        <a:extLst>
+                          <a:ext uri="{FF2B5EF4-FFF2-40B4-BE49-F238E27FC236}">
+                            <a16:creationId xmlns:a16="http://schemas.microsoft.com/office/drawing/2014/main" id="{93257673-B2B6-4228-A6D4-0553F30C53CA}"/>
+                          </a:ext>
+                        </a:extLst>
+                      </p:cNvPr>
+                      <p:cNvPicPr/>
+                      <p:nvPr/>
+                    </p:nvPicPr>
+                    <p:blipFill>
+                      <a:blip r:embed="rId17"/>
+                      <a:stretch>
+                        <a:fillRect/>
+                      </a:stretch>
+                    </p:blipFill>
+                    <p:spPr>
+                      <a:xfrm>
+                        <a:off x="8164808" y="4113504"/>
+                        <a:ext cx="1017588" cy="307975"/>
+                      </a:xfrm>
+                      <a:prstGeom prst="rect">
+                        <a:avLst/>
+                      </a:prstGeom>
+                    </p:spPr>
+                  </p:pic>
+                </p:oleObj>
+              </mc:Fallback>
+            </mc:AlternateContent>
+          </a:graphicData>
+        </a:graphic>
+      </p:graphicFrame>
+      <p:graphicFrame>
+        <p:nvGraphicFramePr>
+          <p:cNvPr id="72" name="对象 71">
+            <a:extLst>
+              <a:ext uri="{FF2B5EF4-FFF2-40B4-BE49-F238E27FC236}">
+                <a16:creationId xmlns:a16="http://schemas.microsoft.com/office/drawing/2014/main" id="{0668F51B-85E7-464C-9BC7-E95ADF47171E}"/>
+              </a:ext>
+            </a:extLst>
+          </p:cNvPr>
+          <p:cNvGraphicFramePr>
+            <a:graphicFrameLocks noChangeAspect="1"/>
+          </p:cNvGraphicFramePr>
+          <p:nvPr/>
+        </p:nvGraphicFramePr>
+        <p:xfrm>
+          <a:off x="5726114" y="4749801"/>
+          <a:ext cx="530225" cy="252413"/>
+        </p:xfrm>
+        <a:graphic>
+          <a:graphicData uri="http://schemas.openxmlformats.org/presentationml/2006/ole">
+            <mc:AlternateContent xmlns:mc="http://schemas.openxmlformats.org/markup-compatibility/2006">
+              <mc:Choice xmlns:v="urn:schemas-microsoft-com:vml" Requires="v">
+                <p:oleObj name="Formula" r:id="rId18" imgW="268200" imgH="127080" progId="Equation.Ribbit">
+                  <p:embed/>
+                </p:oleObj>
+              </mc:Choice>
+              <mc:Fallback>
+                <p:oleObj name="Formula" r:id="rId18" imgW="268200" imgH="127080" progId="Equation.Ribbit">
+                  <p:embed/>
+                  <p:pic>
+                    <p:nvPicPr>
+                      <p:cNvPr id="72" name="对象 71">
+                        <a:extLst>
+                          <a:ext uri="{FF2B5EF4-FFF2-40B4-BE49-F238E27FC236}">
+                            <a16:creationId xmlns:a16="http://schemas.microsoft.com/office/drawing/2014/main" id="{0668F51B-85E7-464C-9BC7-E95ADF47171E}"/>
+                          </a:ext>
+                        </a:extLst>
+                      </p:cNvPr>
+                      <p:cNvPicPr/>
+                      <p:nvPr/>
+                    </p:nvPicPr>
+                    <p:blipFill>
+                      <a:blip r:embed="rId19"/>
+                      <a:stretch>
+                        <a:fillRect/>
+                      </a:stretch>
+                    </p:blipFill>
+                    <p:spPr>
+                      <a:xfrm>
+                        <a:off x="5726114" y="4749801"/>
+                        <a:ext cx="530225" cy="252413"/>
+                      </a:xfrm>
+                      <a:prstGeom prst="rect">
+                        <a:avLst/>
+                      </a:prstGeom>
+                    </p:spPr>
+                  </p:pic>
+                </p:oleObj>
+              </mc:Fallback>
+            </mc:AlternateContent>
+          </a:graphicData>
+        </a:graphic>
+      </p:graphicFrame>
+      <p:graphicFrame>
+        <p:nvGraphicFramePr>
+          <p:cNvPr id="73" name="对象 72">
+            <a:extLst>
+              <a:ext uri="{FF2B5EF4-FFF2-40B4-BE49-F238E27FC236}">
+                <a16:creationId xmlns:a16="http://schemas.microsoft.com/office/drawing/2014/main" id="{8E24C061-E501-4825-8A71-DB74E58AF116}"/>
+              </a:ext>
+            </a:extLst>
+          </p:cNvPr>
+          <p:cNvGraphicFramePr>
+            <a:graphicFrameLocks noChangeAspect="1"/>
+          </p:cNvGraphicFramePr>
+          <p:nvPr/>
+        </p:nvGraphicFramePr>
+        <p:xfrm>
+          <a:off x="2242096" y="3931534"/>
+          <a:ext cx="1117600" cy="333375"/>
+        </p:xfrm>
+        <a:graphic>
+          <a:graphicData uri="http://schemas.openxmlformats.org/presentationml/2006/ole">
+            <mc:AlternateContent xmlns:mc="http://schemas.openxmlformats.org/markup-compatibility/2006">
+              <mc:Choice xmlns:v="urn:schemas-microsoft-com:vml" Requires="v">
+                <p:oleObj name="Formula" r:id="rId20" imgW="564120" imgH="167760" progId="Equation.Ribbit">
+                  <p:embed/>
+                </p:oleObj>
+              </mc:Choice>
+              <mc:Fallback>
+                <p:oleObj name="Formula" r:id="rId20" imgW="564120" imgH="167760" progId="Equation.Ribbit">
+                  <p:embed/>
+                  <p:pic>
+                    <p:nvPicPr>
+                      <p:cNvPr id="73" name="对象 72">
+                        <a:extLst>
+                          <a:ext uri="{FF2B5EF4-FFF2-40B4-BE49-F238E27FC236}">
+                            <a16:creationId xmlns:a16="http://schemas.microsoft.com/office/drawing/2014/main" id="{8E24C061-E501-4825-8A71-DB74E58AF116}"/>
+                          </a:ext>
+                        </a:extLst>
+                      </p:cNvPr>
+                      <p:cNvPicPr/>
+                      <p:nvPr/>
+                    </p:nvPicPr>
+                    <p:blipFill>
+                      <a:blip r:embed="rId21"/>
+                      <a:stretch>
+                        <a:fillRect/>
+                      </a:stretch>
+                    </p:blipFill>
+                    <p:spPr>
+                      <a:xfrm>
+                        <a:off x="2242096" y="3931534"/>
+                        <a:ext cx="1117600" cy="333375"/>
+                      </a:xfrm>
+                      <a:prstGeom prst="rect">
+                        <a:avLst/>
+                      </a:prstGeom>
+                    </p:spPr>
+                  </p:pic>
+                </p:oleObj>
+              </mc:Fallback>
+            </mc:AlternateContent>
+          </a:graphicData>
+        </a:graphic>
+      </p:graphicFrame>
+      <p:graphicFrame>
+        <p:nvGraphicFramePr>
+          <p:cNvPr id="74" name="对象 73">
+            <a:extLst>
+              <a:ext uri="{FF2B5EF4-FFF2-40B4-BE49-F238E27FC236}">
+                <a16:creationId xmlns:a16="http://schemas.microsoft.com/office/drawing/2014/main" id="{A88068CC-61AF-4462-A9FD-D77C3D28F3C4}"/>
+              </a:ext>
+            </a:extLst>
+          </p:cNvPr>
+          <p:cNvGraphicFramePr>
+            <a:graphicFrameLocks noChangeAspect="1"/>
+          </p:cNvGraphicFramePr>
+          <p:nvPr/>
+        </p:nvGraphicFramePr>
+        <p:xfrm>
+          <a:off x="5576888" y="5037139"/>
+          <a:ext cx="900112" cy="307975"/>
+        </p:xfrm>
+        <a:graphic>
+          <a:graphicData uri="http://schemas.openxmlformats.org/presentationml/2006/ole">
+            <mc:AlternateContent xmlns:mc="http://schemas.openxmlformats.org/markup-compatibility/2006">
+              <mc:Choice xmlns:v="urn:schemas-microsoft-com:vml" Requires="v">
+                <p:oleObj name="Formula" r:id="rId22" imgW="454680" imgH="156240" progId="Equation.Ribbit">
+                  <p:embed/>
+                </p:oleObj>
+              </mc:Choice>
+              <mc:Fallback>
+                <p:oleObj name="Formula" r:id="rId22" imgW="454680" imgH="156240" progId="Equation.Ribbit">
+                  <p:embed/>
+                  <p:pic>
+                    <p:nvPicPr>
+                      <p:cNvPr id="74" name="对象 73">
+                        <a:extLst>
+                          <a:ext uri="{FF2B5EF4-FFF2-40B4-BE49-F238E27FC236}">
+                            <a16:creationId xmlns:a16="http://schemas.microsoft.com/office/drawing/2014/main" id="{A88068CC-61AF-4462-A9FD-D77C3D28F3C4}"/>
+                          </a:ext>
+                        </a:extLst>
+                      </p:cNvPr>
+                      <p:cNvPicPr/>
+                      <p:nvPr/>
+                    </p:nvPicPr>
+                    <p:blipFill>
+                      <a:blip r:embed="rId23"/>
+                      <a:stretch>
+                        <a:fillRect/>
+                      </a:stretch>
+                    </p:blipFill>
+                    <p:spPr>
+                      <a:xfrm>
+                        <a:off x="5576888" y="5037139"/>
+                        <a:ext cx="900112" cy="307975"/>
+                      </a:xfrm>
+                      <a:prstGeom prst="rect">
+                        <a:avLst/>
+                      </a:prstGeom>
+                    </p:spPr>
+                  </p:pic>
+                </p:oleObj>
+              </mc:Fallback>
+            </mc:AlternateContent>
+          </a:graphicData>
+        </a:graphic>
+      </p:graphicFrame>
+      <p:graphicFrame>
+        <p:nvGraphicFramePr>
+          <p:cNvPr id="75" name="对象 74">
+            <a:extLst>
+              <a:ext uri="{FF2B5EF4-FFF2-40B4-BE49-F238E27FC236}">
+                <a16:creationId xmlns:a16="http://schemas.microsoft.com/office/drawing/2014/main" id="{761A0ADE-DEB8-4131-B6FD-6A36392714AD}"/>
+              </a:ext>
+            </a:extLst>
+          </p:cNvPr>
+          <p:cNvGraphicFramePr>
+            <a:graphicFrameLocks noChangeAspect="1"/>
+          </p:cNvGraphicFramePr>
+          <p:nvPr/>
+        </p:nvGraphicFramePr>
+        <p:xfrm>
+          <a:off x="4583113" y="5875338"/>
+          <a:ext cx="227012" cy="317500"/>
+        </p:xfrm>
+        <a:graphic>
+          <a:graphicData uri="http://schemas.openxmlformats.org/presentationml/2006/ole">
+            <mc:AlternateContent xmlns:mc="http://schemas.openxmlformats.org/markup-compatibility/2006">
+              <mc:Choice xmlns:v="urn:schemas-microsoft-com:vml" Requires="v">
+                <p:oleObj name="Formula" r:id="rId24" imgW="114480" imgH="160200" progId="Equation.Ribbit">
+                  <p:embed/>
+                </p:oleObj>
+              </mc:Choice>
+              <mc:Fallback>
+                <p:oleObj name="Formula" r:id="rId24" imgW="114480" imgH="160200" progId="Equation.Ribbit">
+                  <p:embed/>
+                  <p:pic>
+                    <p:nvPicPr>
+                      <p:cNvPr id="75" name="对象 74">
+                        <a:extLst>
+                          <a:ext uri="{FF2B5EF4-FFF2-40B4-BE49-F238E27FC236}">
+                            <a16:creationId xmlns:a16="http://schemas.microsoft.com/office/drawing/2014/main" id="{761A0ADE-DEB8-4131-B6FD-6A36392714AD}"/>
+                          </a:ext>
+                        </a:extLst>
+                      </p:cNvPr>
+                      <p:cNvPicPr/>
+                      <p:nvPr/>
+                    </p:nvPicPr>
+                    <p:blipFill>
+                      <a:blip r:embed="rId25"/>
+                      <a:stretch>
+                        <a:fillRect/>
+                      </a:stretch>
+                    </p:blipFill>
+                    <p:spPr>
+                      <a:xfrm>
+                        <a:off x="4583113" y="5875338"/>
+                        <a:ext cx="227012" cy="317500"/>
+                      </a:xfrm>
+                      <a:prstGeom prst="rect">
+                        <a:avLst/>
+                      </a:prstGeom>
+                    </p:spPr>
+                  </p:pic>
+                </p:oleObj>
+              </mc:Fallback>
+            </mc:AlternateContent>
+          </a:graphicData>
+        </a:graphic>
+      </p:graphicFrame>
+      <p:graphicFrame>
+        <p:nvGraphicFramePr>
+          <p:cNvPr id="76" name="对象 75">
+            <a:extLst>
+              <a:ext uri="{FF2B5EF4-FFF2-40B4-BE49-F238E27FC236}">
+                <a16:creationId xmlns:a16="http://schemas.microsoft.com/office/drawing/2014/main" id="{EEE22C17-BDF7-4D13-B0EC-2870429C6850}"/>
+              </a:ext>
+            </a:extLst>
+          </p:cNvPr>
+          <p:cNvGraphicFramePr>
+            <a:graphicFrameLocks noChangeAspect="1"/>
+          </p:cNvGraphicFramePr>
+          <p:nvPr/>
+        </p:nvGraphicFramePr>
+        <p:xfrm>
+          <a:off x="8408989" y="5929314"/>
+          <a:ext cx="346075" cy="122237"/>
+        </p:xfrm>
+        <a:graphic>
+          <a:graphicData uri="http://schemas.openxmlformats.org/presentationml/2006/ole">
+            <mc:AlternateContent xmlns:mc="http://schemas.openxmlformats.org/markup-compatibility/2006">
+              <mc:Choice xmlns:v="urn:schemas-microsoft-com:vml" Requires="v">
+                <p:oleObj name="Formula" r:id="rId26" imgW="175320" imgH="62280" progId="Equation.Ribbit">
+                  <p:embed/>
+                </p:oleObj>
+              </mc:Choice>
+              <mc:Fallback>
+                <p:oleObj name="Formula" r:id="rId26" imgW="175320" imgH="62280" progId="Equation.Ribbit">
+                  <p:embed/>
+                  <p:pic>
+                    <p:nvPicPr>
+                      <p:cNvPr id="76" name="对象 75">
+                        <a:extLst>
+                          <a:ext uri="{FF2B5EF4-FFF2-40B4-BE49-F238E27FC236}">
+                            <a16:creationId xmlns:a16="http://schemas.microsoft.com/office/drawing/2014/main" id="{EEE22C17-BDF7-4D13-B0EC-2870429C6850}"/>
+                          </a:ext>
+                        </a:extLst>
+                      </p:cNvPr>
+                      <p:cNvPicPr/>
+                      <p:nvPr/>
+                    </p:nvPicPr>
+                    <p:blipFill>
+                      <a:blip r:embed="rId27"/>
+                      <a:stretch>
+                        <a:fillRect/>
+                      </a:stretch>
+                    </p:blipFill>
+                    <p:spPr>
+                      <a:xfrm>
+                        <a:off x="8408989" y="5929314"/>
+                        <a:ext cx="346075" cy="122237"/>
+                      </a:xfrm>
+                      <a:prstGeom prst="rect">
+                        <a:avLst/>
+                      </a:prstGeom>
+                    </p:spPr>
+                  </p:pic>
+                </p:oleObj>
+              </mc:Fallback>
+            </mc:AlternateContent>
+          </a:graphicData>
+        </a:graphic>
+      </p:graphicFrame>
+      <p:graphicFrame>
+        <p:nvGraphicFramePr>
+          <p:cNvPr id="30" name="对象 29">
+            <a:extLst>
+              <a:ext uri="{FF2B5EF4-FFF2-40B4-BE49-F238E27FC236}">
+                <a16:creationId xmlns:a16="http://schemas.microsoft.com/office/drawing/2014/main" id="{F8B7B0D1-D359-4AA8-AA8D-843604A52A03}"/>
+              </a:ext>
+            </a:extLst>
+          </p:cNvPr>
+          <p:cNvGraphicFramePr>
+            <a:graphicFrameLocks noChangeAspect="1"/>
+          </p:cNvGraphicFramePr>
+          <p:nvPr/>
+        </p:nvGraphicFramePr>
+        <p:xfrm>
+          <a:off x="9981756" y="5670169"/>
+          <a:ext cx="176212" cy="236538"/>
+        </p:xfrm>
+        <a:graphic>
+          <a:graphicData uri="http://schemas.openxmlformats.org/presentationml/2006/ole">
+            <mc:AlternateContent xmlns:mc="http://schemas.openxmlformats.org/markup-compatibility/2006">
+              <mc:Choice xmlns:v="urn:schemas-microsoft-com:vml" Requires="v">
+                <p:oleObj name="Formula" r:id="rId28" imgW="88920" imgH="119520" progId="Equation.Ribbit">
+                  <p:embed/>
+                </p:oleObj>
+              </mc:Choice>
+              <mc:Fallback>
+                <p:oleObj name="Formula" r:id="rId28" imgW="88920" imgH="119520" progId="Equation.Ribbit">
+                  <p:embed/>
+                  <p:pic>
+                    <p:nvPicPr>
+                      <p:cNvPr id="30" name="对象 29">
+                        <a:extLst>
+                          <a:ext uri="{FF2B5EF4-FFF2-40B4-BE49-F238E27FC236}">
+                            <a16:creationId xmlns:a16="http://schemas.microsoft.com/office/drawing/2014/main" id="{F8B7B0D1-D359-4AA8-AA8D-843604A52A03}"/>
+                          </a:ext>
+                        </a:extLst>
+                      </p:cNvPr>
+                      <p:cNvPicPr/>
+                      <p:nvPr/>
+                    </p:nvPicPr>
+                    <p:blipFill>
+                      <a:blip r:embed="rId29"/>
+                      <a:stretch>
+                        <a:fillRect/>
+                      </a:stretch>
+                    </p:blipFill>
+                    <p:spPr>
+                      <a:xfrm>
+                        <a:off x="9981756" y="5670169"/>
+                        <a:ext cx="176212" cy="236538"/>
+                      </a:xfrm>
+                      <a:prstGeom prst="rect">
+                        <a:avLst/>
+                      </a:prstGeom>
+                    </p:spPr>
+                  </p:pic>
+                </p:oleObj>
+              </mc:Fallback>
+            </mc:AlternateContent>
+          </a:graphicData>
+        </a:graphic>
+      </p:graphicFrame>
+      <p:cxnSp>
+        <p:nvCxnSpPr>
+          <p:cNvPr id="33" name="直接箭头连接符 32">
+            <a:extLst>
+              <a:ext uri="{FF2B5EF4-FFF2-40B4-BE49-F238E27FC236}">
+                <a16:creationId xmlns:a16="http://schemas.microsoft.com/office/drawing/2014/main" id="{A9A95762-3D28-4418-B48B-8DC8B6DB77E6}"/>
+              </a:ext>
+            </a:extLst>
+          </p:cNvPr>
+          <p:cNvCxnSpPr>
+            <a:cxnSpLocks/>
+          </p:cNvCxnSpPr>
+          <p:nvPr/>
+        </p:nvCxnSpPr>
+        <p:spPr>
+          <a:xfrm flipH="1">
+            <a:off x="2616630" y="1446655"/>
+            <a:ext cx="653874" cy="664636"/>
+          </a:xfrm>
+          <a:prstGeom prst="straightConnector1">
+            <a:avLst/>
+          </a:prstGeom>
+          <a:ln>
+            <a:tailEnd type="triangle"/>
+          </a:ln>
+        </p:spPr>
+        <p:style>
+          <a:lnRef idx="3">
+            <a:schemeClr val="dk1"/>
+          </a:lnRef>
+          <a:fillRef idx="0">
+            <a:schemeClr val="dk1"/>
+          </a:fillRef>
+          <a:effectRef idx="2">
+            <a:schemeClr val="dk1"/>
+          </a:effectRef>
+          <a:fontRef idx="minor">
+            <a:schemeClr val="tx1"/>
+          </a:fontRef>
+        </p:style>
+      </p:cxnSp>
+      <p:graphicFrame>
+        <p:nvGraphicFramePr>
+          <p:cNvPr id="36" name="对象 35">
+            <a:extLst>
+              <a:ext uri="{FF2B5EF4-FFF2-40B4-BE49-F238E27FC236}">
+                <a16:creationId xmlns:a16="http://schemas.microsoft.com/office/drawing/2014/main" id="{C5953B86-6ECC-4FAA-96D0-910C0DF92662}"/>
+              </a:ext>
+            </a:extLst>
+          </p:cNvPr>
+          <p:cNvGraphicFramePr>
+            <a:graphicFrameLocks noChangeAspect="1"/>
+          </p:cNvGraphicFramePr>
+          <p:nvPr/>
+        </p:nvGraphicFramePr>
+        <p:xfrm>
+          <a:off x="3307461" y="1180698"/>
+          <a:ext cx="476250" cy="252413"/>
+        </p:xfrm>
+        <a:graphic>
+          <a:graphicData uri="http://schemas.openxmlformats.org/presentationml/2006/ole">
+            <mc:AlternateContent xmlns:mc="http://schemas.openxmlformats.org/markup-compatibility/2006">
+              <mc:Choice xmlns:v="urn:schemas-microsoft-com:vml" Requires="v">
+                <p:oleObj name="Formula" r:id="rId30" imgW="239040" imgH="127080" progId="Equation.Ribbit">
+                  <p:embed/>
+                </p:oleObj>
+              </mc:Choice>
+              <mc:Fallback>
+                <p:oleObj name="Formula" r:id="rId30" imgW="239040" imgH="127080" progId="Equation.Ribbit">
+                  <p:embed/>
+                  <p:pic>
+                    <p:nvPicPr>
+                      <p:cNvPr id="36" name="对象 35">
+                        <a:extLst>
+                          <a:ext uri="{FF2B5EF4-FFF2-40B4-BE49-F238E27FC236}">
+                            <a16:creationId xmlns:a16="http://schemas.microsoft.com/office/drawing/2014/main" id="{C5953B86-6ECC-4FAA-96D0-910C0DF92662}"/>
+                          </a:ext>
+                        </a:extLst>
+                      </p:cNvPr>
+                      <p:cNvPicPr/>
+                      <p:nvPr/>
+                    </p:nvPicPr>
+                    <p:blipFill>
+                      <a:blip r:embed="rId31"/>
+                      <a:stretch>
+                        <a:fillRect/>
+                      </a:stretch>
+                    </p:blipFill>
+                    <p:spPr>
+                      <a:xfrm>
+                        <a:off x="3307461" y="1180698"/>
+                        <a:ext cx="476250" cy="252413"/>
+                      </a:xfrm>
+                      <a:prstGeom prst="rect">
+                        <a:avLst/>
+                      </a:prstGeom>
+                    </p:spPr>
+                  </p:pic>
+                </p:oleObj>
+              </mc:Fallback>
+            </mc:AlternateContent>
+          </a:graphicData>
+        </a:graphic>
+      </p:graphicFrame>
+    </p:spTree>
+    <p:extLst>
+      <p:ext uri="{BB962C8B-B14F-4D97-AF65-F5344CB8AC3E}">
+        <p14:creationId xmlns:p14="http://schemas.microsoft.com/office/powerpoint/2010/main" val="4133688737"/>
+      </p:ext>
+    </p:extLst>
+  </p:cSld>
+  <p:clrMapOvr>
+    <a:masterClrMapping/>
+  </p:clrMapOvr>
+</p:sld>
+</file>
+
 <file path=ppt/theme/theme1.xml><?xml version="1.0" encoding="utf-8"?>
 <a:theme xmlns:a="http://schemas.openxmlformats.org/drawingml/2006/main" name="Office 主题​​">
   <a:themeElements>
